--- a/Presentations/1.1 JD+_Overview.pptx
+++ b/Presentations/1.1 JD+_Overview.pptx
@@ -283,7 +283,7 @@
             <a:pPr>
               <a:defRPr/>
             </a:pPr>
-            <a:endParaRPr lang="en-US"/>
+            <a:endParaRPr lang="en-US" dirty="0"/>
           </a:p>
         </p:txBody>
       </p:sp>
@@ -333,7 +333,7 @@
             <a:pPr>
               <a:defRPr/>
             </a:pPr>
-            <a:endParaRPr lang="en-US"/>
+            <a:endParaRPr lang="en-US" dirty="0"/>
           </a:p>
         </p:txBody>
       </p:sp>
@@ -383,7 +383,7 @@
             <a:pPr>
               <a:defRPr/>
             </a:pPr>
-            <a:endParaRPr lang="en-US"/>
+            <a:endParaRPr lang="en-US" dirty="0"/>
           </a:p>
         </p:txBody>
       </p:sp>
@@ -440,7 +440,7 @@
               </a:pPr>
               <a:t>‹N°›</a:t>
             </a:fld>
-            <a:endParaRPr lang="en-US"/>
+            <a:endParaRPr lang="en-US" dirty="0"/>
           </a:p>
         </p:txBody>
       </p:sp>
@@ -526,7 +526,7 @@
             <a:pPr>
               <a:defRPr/>
             </a:pPr>
-            <a:endParaRPr lang="en-US"/>
+            <a:endParaRPr lang="en-US" dirty="0"/>
           </a:p>
         </p:txBody>
       </p:sp>
@@ -576,7 +576,7 @@
             <a:pPr>
               <a:defRPr/>
             </a:pPr>
-            <a:endParaRPr lang="en-US"/>
+            <a:endParaRPr lang="en-US" dirty="0"/>
           </a:p>
         </p:txBody>
       </p:sp>
@@ -726,7 +726,7 @@
             <a:pPr>
               <a:defRPr/>
             </a:pPr>
-            <a:endParaRPr lang="en-US"/>
+            <a:endParaRPr lang="en-US" dirty="0"/>
           </a:p>
         </p:txBody>
       </p:sp>
@@ -783,7 +783,7 @@
               </a:pPr>
               <a:t>‹N°›</a:t>
             </a:fld>
-            <a:endParaRPr lang="en-US"/>
+            <a:endParaRPr lang="en-US" dirty="0"/>
           </a:p>
         </p:txBody>
       </p:sp>
@@ -1085,7 +1085,7 @@
             <a:pPr algn="ctr" eaLnBrk="1" hangingPunct="1">
               <a:defRPr/>
             </a:pPr>
-            <a:endParaRPr lang="en-US" altLang="de-DE" sz="1800" b="0">
+            <a:endParaRPr lang="en-US" altLang="de-DE" sz="1800" b="0" dirty="0">
               <a:solidFill>
                 <a:srgbClr val="FFFFFF"/>
               </a:solidFill>
@@ -1322,7 +1322,7 @@
               <a:defRPr/>
             </a:pPr>
             <a:r>
-              <a:rPr lang="en-US"/>
+              <a:rPr lang="en-US" dirty="0"/>
               <a:t>15-17/10/2024</a:t>
             </a:r>
             <a:endParaRPr lang="en-GB" dirty="0"/>
@@ -1361,10 +1361,10 @@
               <a:defRPr/>
             </a:pPr>
             <a:r>
-              <a:rPr lang="en-GB"/>
+              <a:rPr lang="en-GB" dirty="0"/>
               <a:t>ESTP Training. JD+ Overview</a:t>
             </a:r>
-            <a:endParaRPr/>
+            <a:endParaRPr dirty="0"/>
           </a:p>
         </p:txBody>
       </p:sp>
@@ -1528,7 +1528,7 @@
             </a:lvl9pPr>
           </a:lstStyle>
           <a:p>
-            <a:endParaRPr lang="en-US"/>
+            <a:endParaRPr lang="en-US" dirty="0"/>
           </a:p>
         </p:txBody>
       </p:sp>
@@ -1613,7 +1613,7 @@
           <a:lstStyle/>
           <a:p>
             <a:r>
-              <a:rPr lang="en-US"/>
+              <a:rPr lang="en-US" dirty="0"/>
               <a:t>15-17/10/2024</a:t>
             </a:r>
           </a:p>
@@ -1635,7 +1635,7 @@
           <a:lstStyle/>
           <a:p>
             <a:r>
-              <a:rPr lang="en-US"/>
+              <a:rPr lang="en-US" dirty="0"/>
               <a:t>ESTP Training. JD+ Overview</a:t>
             </a:r>
           </a:p>
@@ -1660,7 +1660,7 @@
               <a:rPr lang="en-US" smtClean="0"/>
               <a:t>‹N°›</a:t>
             </a:fld>
-            <a:endParaRPr lang="en-US"/>
+            <a:endParaRPr lang="en-US" dirty="0"/>
           </a:p>
         </p:txBody>
       </p:sp>
@@ -1783,7 +1783,7 @@
           <a:lstStyle/>
           <a:p>
             <a:r>
-              <a:rPr lang="en-US"/>
+              <a:rPr lang="en-US" dirty="0"/>
               <a:t>15-17/10/2024</a:t>
             </a:r>
           </a:p>
@@ -1805,7 +1805,7 @@
           <a:lstStyle/>
           <a:p>
             <a:r>
-              <a:rPr lang="en-US"/>
+              <a:rPr lang="en-US" dirty="0"/>
               <a:t>ESTP Training. JD+ Overview</a:t>
             </a:r>
           </a:p>
@@ -1830,7 +1830,7 @@
               <a:rPr lang="en-US" smtClean="0"/>
               <a:t>‹N°›</a:t>
             </a:fld>
-            <a:endParaRPr lang="en-US"/>
+            <a:endParaRPr lang="en-US" dirty="0"/>
           </a:p>
         </p:txBody>
       </p:sp>
@@ -1963,7 +1963,7 @@
           <a:lstStyle/>
           <a:p>
             <a:r>
-              <a:rPr lang="en-US"/>
+              <a:rPr lang="en-US" dirty="0"/>
               <a:t>15-17/10/2024</a:t>
             </a:r>
           </a:p>
@@ -1985,7 +1985,7 @@
           <a:lstStyle/>
           <a:p>
             <a:r>
-              <a:rPr lang="en-US"/>
+              <a:rPr lang="en-US" dirty="0"/>
               <a:t>ESTP Training. JD+ Overview</a:t>
             </a:r>
           </a:p>
@@ -2010,7 +2010,7 @@
               <a:rPr lang="en-US" smtClean="0"/>
               <a:t>‹N°›</a:t>
             </a:fld>
-            <a:endParaRPr lang="en-US"/>
+            <a:endParaRPr lang="en-US" dirty="0"/>
           </a:p>
         </p:txBody>
       </p:sp>
@@ -2205,10 +2205,9 @@
           <a:lstStyle/>
           <a:p>
             <a:r>
-              <a:rPr lang="en-US"/>
+              <a:rPr lang="en-US" dirty="0"/>
               <a:t>15-17/10/2024</a:t>
             </a:r>
-            <a:endParaRPr lang="en-US" dirty="0"/>
           </a:p>
         </p:txBody>
       </p:sp>
@@ -2228,7 +2227,7 @@
           <a:lstStyle/>
           <a:p>
             <a:r>
-              <a:rPr lang="en-US"/>
+              <a:rPr lang="en-US" dirty="0"/>
               <a:t>ESTP Training. JD+ Overview</a:t>
             </a:r>
           </a:p>
@@ -2377,7 +2376,7 @@
           <a:lstStyle/>
           <a:p>
             <a:r>
-              <a:rPr lang="en-US"/>
+              <a:rPr lang="en-US" dirty="0"/>
               <a:t>15-17/10/2024</a:t>
             </a:r>
           </a:p>
@@ -2399,7 +2398,7 @@
           <a:lstStyle/>
           <a:p>
             <a:r>
-              <a:rPr lang="en-US"/>
+              <a:rPr lang="en-US" dirty="0"/>
               <a:t>ESTP Training. JD+ Overview</a:t>
             </a:r>
           </a:p>
@@ -2625,7 +2624,7 @@
           <a:lstStyle/>
           <a:p>
             <a:r>
-              <a:rPr lang="en-US"/>
+              <a:rPr lang="en-US" dirty="0"/>
               <a:t>15-17/10/2024</a:t>
             </a:r>
           </a:p>
@@ -2647,7 +2646,7 @@
           <a:lstStyle/>
           <a:p>
             <a:r>
-              <a:rPr lang="en-US"/>
+              <a:rPr lang="en-US" dirty="0"/>
               <a:t>ESTP Training. JD+ Overview</a:t>
             </a:r>
           </a:p>
@@ -2672,7 +2671,7 @@
               <a:rPr lang="en-US" smtClean="0"/>
               <a:t>‹N°›</a:t>
             </a:fld>
-            <a:endParaRPr lang="en-US"/>
+            <a:endParaRPr lang="en-US" dirty="0"/>
           </a:p>
         </p:txBody>
       </p:sp>
@@ -2912,7 +2911,7 @@
           <a:lstStyle/>
           <a:p>
             <a:r>
-              <a:rPr lang="en-US"/>
+              <a:rPr lang="en-US" dirty="0"/>
               <a:t>15-17/10/2024</a:t>
             </a:r>
           </a:p>
@@ -2934,7 +2933,7 @@
           <a:lstStyle/>
           <a:p>
             <a:r>
-              <a:rPr lang="en-US"/>
+              <a:rPr lang="en-US" dirty="0"/>
               <a:t>ESTP Training. JD+ Overview</a:t>
             </a:r>
           </a:p>
@@ -2959,7 +2958,7 @@
               <a:rPr lang="en-US" smtClean="0"/>
               <a:t>‹N°›</a:t>
             </a:fld>
-            <a:endParaRPr lang="en-US"/>
+            <a:endParaRPr lang="en-US" dirty="0"/>
           </a:p>
         </p:txBody>
       </p:sp>
@@ -3333,7 +3332,7 @@
           <a:lstStyle/>
           <a:p>
             <a:r>
-              <a:rPr lang="en-US"/>
+              <a:rPr lang="en-US" dirty="0"/>
               <a:t>15-17/10/2024</a:t>
             </a:r>
           </a:p>
@@ -3355,7 +3354,7 @@
           <a:lstStyle/>
           <a:p>
             <a:r>
-              <a:rPr lang="en-US"/>
+              <a:rPr lang="en-US" dirty="0"/>
               <a:t>ESTP Training. JD+ Overview</a:t>
             </a:r>
           </a:p>
@@ -3380,7 +3379,7 @@
               <a:rPr lang="en-US" smtClean="0"/>
               <a:t>‹N°›</a:t>
             </a:fld>
-            <a:endParaRPr lang="en-US"/>
+            <a:endParaRPr lang="en-US" dirty="0"/>
           </a:p>
         </p:txBody>
       </p:sp>
@@ -3452,10 +3451,9 @@
           <a:lstStyle/>
           <a:p>
             <a:r>
-              <a:rPr lang="en-US"/>
+              <a:rPr lang="en-US" dirty="0"/>
               <a:t>15-17/10/2024</a:t>
             </a:r>
-            <a:endParaRPr lang="en-US" dirty="0"/>
           </a:p>
         </p:txBody>
       </p:sp>
@@ -3475,10 +3473,9 @@
           <a:lstStyle/>
           <a:p>
             <a:r>
-              <a:rPr lang="en-US"/>
+              <a:rPr lang="en-US" dirty="0"/>
               <a:t>ESTP Training. JD+ Overview</a:t>
             </a:r>
-            <a:endParaRPr lang="en-US" dirty="0"/>
           </a:p>
         </p:txBody>
       </p:sp>
@@ -3552,7 +3549,7 @@
           <a:lstStyle/>
           <a:p>
             <a:r>
-              <a:rPr lang="en-US"/>
+              <a:rPr lang="en-US" dirty="0"/>
               <a:t>15-17/10/2024</a:t>
             </a:r>
           </a:p>
@@ -3574,7 +3571,7 @@
           <a:lstStyle/>
           <a:p>
             <a:r>
-              <a:rPr lang="en-US"/>
+              <a:rPr lang="en-US" dirty="0"/>
               <a:t>ESTP Training. JD+ Overview</a:t>
             </a:r>
           </a:p>
@@ -3599,7 +3596,7 @@
               <a:rPr lang="en-US" smtClean="0"/>
               <a:t>‹N°›</a:t>
             </a:fld>
-            <a:endParaRPr lang="en-US"/>
+            <a:endParaRPr lang="en-US" dirty="0"/>
           </a:p>
         </p:txBody>
       </p:sp>
@@ -3829,7 +3826,7 @@
           <a:lstStyle/>
           <a:p>
             <a:r>
-              <a:rPr lang="en-US"/>
+              <a:rPr lang="en-US" dirty="0"/>
               <a:t>15-17/10/2024</a:t>
             </a:r>
           </a:p>
@@ -3851,7 +3848,7 @@
           <a:lstStyle/>
           <a:p>
             <a:r>
-              <a:rPr lang="en-US"/>
+              <a:rPr lang="en-US" dirty="0"/>
               <a:t>ESTP Training. JD+ Overview</a:t>
             </a:r>
           </a:p>
@@ -4043,7 +4040,7 @@
           </a:lstStyle>
           <a:p>
             <a:r>
-              <a:rPr lang="en-US"/>
+              <a:rPr lang="en-US" dirty="0"/>
               <a:t>15-17/10/2024</a:t>
             </a:r>
           </a:p>
@@ -4083,7 +4080,7 @@
           </a:lstStyle>
           <a:p>
             <a:r>
-              <a:rPr lang="en-US"/>
+              <a:rPr lang="en-US" dirty="0"/>
               <a:t>ESTP Training. JD+ Overview</a:t>
             </a:r>
           </a:p>
@@ -4459,7 +4456,7 @@
               <a:t>an open </a:t>
             </a:r>
             <a:r>
-              <a:rPr lang="fr-BE" sz="2700" i="1" dirty="0" err="1"/>
+              <a:rPr lang="en-GB" sz="2700" i="1" dirty="0"/>
               <a:t>framework</a:t>
             </a:r>
             <a:r>
@@ -11054,7 +11051,7 @@
                   </a:schemeClr>
                 </a:solidFill>
               </a:rPr>
-              <a:t>(X11..</a:t>
+              <a:t>(X11, STL..</a:t>
             </a:r>
             <a:r>
               <a:rPr lang="fr-BE" sz="1600" dirty="0">
@@ -11176,7 +11173,7 @@
                 <a:effectLst/>
                 <a:latin typeface="Times New Roman" pitchFamily="18" charset="0"/>
               </a:rPr>
-              <a:t> (X11...)</a:t>
+              <a:t> (X11, STL...)</a:t>
             </a:r>
             <a:endParaRPr kumimoji="0" lang="en-GB" sz="1200" b="0" i="0" u="none" strike="noStrike" cap="none" normalizeH="0" baseline="0" dirty="0">
               <a:ln>
@@ -12331,7 +12328,7 @@
             </a:r>
             <a:r>
               <a:rPr lang="en-GB" dirty="0"/>
-              <a:t>-Seats an of X12-Arima in an open OO framework. In some cases, the new algorithms may lead to (usually slightly) different results .</a:t>
+              <a:t>-Seats and of X12-Arima in an open OO framework. In some cases, the new algorithms may lead to (usually slightly) different results .</a:t>
             </a:r>
           </a:p>
           <a:p>
@@ -12349,7 +12346,7 @@
           <a:p>
             <a:r>
               <a:rPr lang="en-GB" dirty="0"/>
-              <a:t>By developing it as an open source solution, we have tried to create an environment appropriate to external collaborations.</a:t>
+              <a:t>By developing it as an open-source solution, we have tried to create an environment appropriate to external collaborations.</a:t>
             </a:r>
           </a:p>
           <a:p>
@@ -12373,7 +12370,7 @@
           <a:lstStyle/>
           <a:p>
             <a:r>
-              <a:rPr lang="en-US"/>
+              <a:rPr lang="en-US" dirty="0"/>
               <a:t>15-17/10/2024</a:t>
             </a:r>
           </a:p>
@@ -12395,7 +12392,7 @@
           <a:lstStyle/>
           <a:p>
             <a:r>
-              <a:rPr lang="en-US"/>
+              <a:rPr lang="en-US" dirty="0"/>
               <a:t>ESTP Training. JD+ Overview</a:t>
             </a:r>
           </a:p>
@@ -12420,7 +12417,7 @@
               <a:rPr lang="en-US" smtClean="0"/>
               <a:t>9</a:t>
             </a:fld>
-            <a:endParaRPr lang="en-US"/>
+            <a:endParaRPr lang="en-US" dirty="0"/>
           </a:p>
         </p:txBody>
       </p:sp>
